--- a/modules/MgmntCWH/READING_Christensenetal_1996.pptx
+++ b/modules/MgmntCWH/READING_Christensenetal_1996.pptx
@@ -217,7 +217,7 @@
           <a:p>
             <a:fld id="{EF599A65-391F-4EB8-9242-B59EE92B5FB9}" type="datetimeFigureOut">
               <a:rPr lang="en-US" smtClean="0"/>
-              <a:t>4/2/2016</a:t>
+              <a:t>4/6/2016</a:t>
             </a:fld>
             <a:endParaRPr lang="en-US"/>
           </a:p>
@@ -616,7 +616,7 @@
           <a:p>
             <a:fld id="{07A46C8F-DB9C-4B91-A1F1-A860256637FA}" type="datetimeFigureOut">
               <a:rPr lang="en-US" smtClean="0"/>
-              <a:t>4/2/2016</a:t>
+              <a:t>4/6/2016</a:t>
             </a:fld>
             <a:endParaRPr lang="en-US"/>
           </a:p>
@@ -786,7 +786,7 @@
           <a:p>
             <a:fld id="{07A46C8F-DB9C-4B91-A1F1-A860256637FA}" type="datetimeFigureOut">
               <a:rPr lang="en-US" smtClean="0"/>
-              <a:t>4/2/2016</a:t>
+              <a:t>4/6/2016</a:t>
             </a:fld>
             <a:endParaRPr lang="en-US"/>
           </a:p>
@@ -966,7 +966,7 @@
           <a:p>
             <a:fld id="{07A46C8F-DB9C-4B91-A1F1-A860256637FA}" type="datetimeFigureOut">
               <a:rPr lang="en-US" smtClean="0"/>
-              <a:t>4/2/2016</a:t>
+              <a:t>4/6/2016</a:t>
             </a:fld>
             <a:endParaRPr lang="en-US"/>
           </a:p>
@@ -1136,7 +1136,7 @@
           <a:p>
             <a:fld id="{07A46C8F-DB9C-4B91-A1F1-A860256637FA}" type="datetimeFigureOut">
               <a:rPr lang="en-US" smtClean="0"/>
-              <a:t>4/2/2016</a:t>
+              <a:t>4/6/2016</a:t>
             </a:fld>
             <a:endParaRPr lang="en-US"/>
           </a:p>
@@ -1380,7 +1380,7 @@
           <a:p>
             <a:fld id="{07A46C8F-DB9C-4B91-A1F1-A860256637FA}" type="datetimeFigureOut">
               <a:rPr lang="en-US" smtClean="0"/>
-              <a:t>4/2/2016</a:t>
+              <a:t>4/6/2016</a:t>
             </a:fld>
             <a:endParaRPr lang="en-US"/>
           </a:p>
@@ -1612,7 +1612,7 @@
           <a:p>
             <a:fld id="{07A46C8F-DB9C-4B91-A1F1-A860256637FA}" type="datetimeFigureOut">
               <a:rPr lang="en-US" smtClean="0"/>
-              <a:t>4/2/2016</a:t>
+              <a:t>4/6/2016</a:t>
             </a:fld>
             <a:endParaRPr lang="en-US"/>
           </a:p>
@@ -1979,7 +1979,7 @@
           <a:p>
             <a:fld id="{07A46C8F-DB9C-4B91-A1F1-A860256637FA}" type="datetimeFigureOut">
               <a:rPr lang="en-US" smtClean="0"/>
-              <a:t>4/2/2016</a:t>
+              <a:t>4/6/2016</a:t>
             </a:fld>
             <a:endParaRPr lang="en-US"/>
           </a:p>
@@ -2097,7 +2097,7 @@
           <a:p>
             <a:fld id="{07A46C8F-DB9C-4B91-A1F1-A860256637FA}" type="datetimeFigureOut">
               <a:rPr lang="en-US" smtClean="0"/>
-              <a:t>4/2/2016</a:t>
+              <a:t>4/6/2016</a:t>
             </a:fld>
             <a:endParaRPr lang="en-US"/>
           </a:p>
@@ -2192,7 +2192,7 @@
           <a:p>
             <a:fld id="{07A46C8F-DB9C-4B91-A1F1-A860256637FA}" type="datetimeFigureOut">
               <a:rPr lang="en-US" smtClean="0"/>
-              <a:t>4/2/2016</a:t>
+              <a:t>4/6/2016</a:t>
             </a:fld>
             <a:endParaRPr lang="en-US"/>
           </a:p>
@@ -2469,7 +2469,7 @@
           <a:p>
             <a:fld id="{07A46C8F-DB9C-4B91-A1F1-A860256637FA}" type="datetimeFigureOut">
               <a:rPr lang="en-US" smtClean="0"/>
-              <a:t>4/2/2016</a:t>
+              <a:t>4/6/2016</a:t>
             </a:fld>
             <a:endParaRPr lang="en-US"/>
           </a:p>
@@ -2726,7 +2726,7 @@
           <a:p>
             <a:fld id="{07A46C8F-DB9C-4B91-A1F1-A860256637FA}" type="datetimeFigureOut">
               <a:rPr lang="en-US" smtClean="0"/>
-              <a:t>4/2/2016</a:t>
+              <a:t>4/6/2016</a:t>
             </a:fld>
             <a:endParaRPr lang="en-US"/>
           </a:p>
@@ -2939,7 +2939,7 @@
           <a:p>
             <a:fld id="{07A46C8F-DB9C-4B91-A1F1-A860256637FA}" type="datetimeFigureOut">
               <a:rPr lang="en-US" smtClean="0"/>
-              <a:t>4/2/2016</a:t>
+              <a:t>4/6/2016</a:t>
             </a:fld>
             <a:endParaRPr lang="en-US"/>
           </a:p>
@@ -3381,19 +3381,7 @@
             </a:r>
             <a:r>
               <a:rPr lang="en-US" sz="3600" b="1" dirty="0" smtClean="0"/>
-              <a:t> </a:t>
-            </a:r>
-            <a:r>
-              <a:rPr lang="en-US" sz="3600" b="1" dirty="0" smtClean="0"/>
-              <a:t>(</a:t>
-            </a:r>
-            <a:r>
-              <a:rPr lang="en-US" sz="3600" b="1" dirty="0" smtClean="0"/>
-              <a:t>199</a:t>
-            </a:r>
-            <a:r>
-              <a:rPr lang="en-US" sz="3600" b="1" dirty="0" smtClean="0"/>
-              <a:t>6)</a:t>
+              <a:t> (1996)</a:t>
             </a:r>
             <a:r>
               <a:rPr lang="en-US" sz="3600" dirty="0" smtClean="0"/>
@@ -3411,15 +3399,7 @@
             </a:br>
             <a:r>
               <a:rPr lang="en-US" sz="3600" dirty="0" smtClean="0"/>
-              <a:t>Coarse Woody </a:t>
-            </a:r>
-            <a:r>
-              <a:rPr lang="en-US" sz="3600" dirty="0" smtClean="0"/>
-              <a:t>Debris and Lakeshore Development</a:t>
-            </a:r>
-            <a:r>
-              <a:rPr lang="en-US" sz="3600" dirty="0" smtClean="0"/>
-              <a:t/>
+              <a:t>Coarse Woody Debris and Lakeshore Development</a:t>
             </a:r>
             <a:br>
               <a:rPr lang="en-US" sz="3600" dirty="0" smtClean="0"/>
@@ -3691,7 +3671,6 @@
               <a:rPr lang="en-US" dirty="0" smtClean="0"/>
               <a:t>What factors determine the density of CWH in aquatic systems?</a:t>
             </a:r>
-            <a:endParaRPr lang="en-US" dirty="0" smtClean="0"/>
           </a:p>
         </p:txBody>
       </p:sp>
@@ -3972,6 +3951,146 @@
           </p:txBody>
         </p:sp>
       </p:grpSp>
+      <p:cxnSp>
+        <p:nvCxnSpPr>
+          <p:cNvPr id="8" name="Straight Connector 7"/>
+          <p:cNvCxnSpPr/>
+          <p:nvPr/>
+        </p:nvCxnSpPr>
+        <p:spPr>
+          <a:xfrm>
+            <a:off x="3503776" y="2713703"/>
+            <a:ext cx="4735656" cy="0"/>
+          </a:xfrm>
+          <a:prstGeom prst="line">
+            <a:avLst/>
+          </a:prstGeom>
+          <a:ln w="31750">
+            <a:solidFill>
+              <a:srgbClr val="FF0000"/>
+            </a:solidFill>
+          </a:ln>
+        </p:spPr>
+        <p:style>
+          <a:lnRef idx="1">
+            <a:schemeClr val="accent2"/>
+          </a:lnRef>
+          <a:fillRef idx="0">
+            <a:schemeClr val="accent2"/>
+          </a:fillRef>
+          <a:effectRef idx="0">
+            <a:schemeClr val="accent2"/>
+          </a:effectRef>
+          <a:fontRef idx="minor">
+            <a:schemeClr val="tx1"/>
+          </a:fontRef>
+        </p:style>
+      </p:cxnSp>
+      <p:cxnSp>
+        <p:nvCxnSpPr>
+          <p:cNvPr id="16" name="Straight Connector 15"/>
+          <p:cNvCxnSpPr/>
+          <p:nvPr/>
+        </p:nvCxnSpPr>
+        <p:spPr>
+          <a:xfrm flipV="1">
+            <a:off x="1192468" y="3079751"/>
+            <a:ext cx="7028444" cy="39464"/>
+          </a:xfrm>
+          <a:prstGeom prst="line">
+            <a:avLst/>
+          </a:prstGeom>
+          <a:ln w="31750">
+            <a:solidFill>
+              <a:srgbClr val="FF0000"/>
+            </a:solidFill>
+          </a:ln>
+        </p:spPr>
+        <p:style>
+          <a:lnRef idx="1">
+            <a:schemeClr val="accent2"/>
+          </a:lnRef>
+          <a:fillRef idx="0">
+            <a:schemeClr val="accent2"/>
+          </a:fillRef>
+          <a:effectRef idx="0">
+            <a:schemeClr val="accent2"/>
+          </a:effectRef>
+          <a:fontRef idx="minor">
+            <a:schemeClr val="tx1"/>
+          </a:fontRef>
+        </p:style>
+      </p:cxnSp>
+      <p:cxnSp>
+        <p:nvCxnSpPr>
+          <p:cNvPr id="17" name="Straight Connector 16"/>
+          <p:cNvCxnSpPr/>
+          <p:nvPr/>
+        </p:nvCxnSpPr>
+        <p:spPr>
+          <a:xfrm flipV="1">
+            <a:off x="1167917" y="3460955"/>
+            <a:ext cx="1600920" cy="1936"/>
+          </a:xfrm>
+          <a:prstGeom prst="line">
+            <a:avLst/>
+          </a:prstGeom>
+          <a:ln w="31750">
+            <a:solidFill>
+              <a:srgbClr val="FF0000"/>
+            </a:solidFill>
+          </a:ln>
+        </p:spPr>
+        <p:style>
+          <a:lnRef idx="1">
+            <a:schemeClr val="accent2"/>
+          </a:lnRef>
+          <a:fillRef idx="0">
+            <a:schemeClr val="accent2"/>
+          </a:fillRef>
+          <a:effectRef idx="0">
+            <a:schemeClr val="accent2"/>
+          </a:effectRef>
+          <a:fontRef idx="minor">
+            <a:schemeClr val="tx1"/>
+          </a:fontRef>
+        </p:style>
+      </p:cxnSp>
+      <p:cxnSp>
+        <p:nvCxnSpPr>
+          <p:cNvPr id="19" name="Straight Connector 18"/>
+          <p:cNvCxnSpPr/>
+          <p:nvPr/>
+        </p:nvCxnSpPr>
+        <p:spPr>
+          <a:xfrm flipV="1">
+            <a:off x="1455966" y="4537817"/>
+            <a:ext cx="3338225" cy="24213"/>
+          </a:xfrm>
+          <a:prstGeom prst="line">
+            <a:avLst/>
+          </a:prstGeom>
+          <a:ln w="31750">
+            <a:solidFill>
+              <a:srgbClr val="FF0000"/>
+            </a:solidFill>
+          </a:ln>
+        </p:spPr>
+        <p:style>
+          <a:lnRef idx="1">
+            <a:schemeClr val="accent2"/>
+          </a:lnRef>
+          <a:fillRef idx="0">
+            <a:schemeClr val="accent2"/>
+          </a:fillRef>
+          <a:effectRef idx="0">
+            <a:schemeClr val="accent2"/>
+          </a:effectRef>
+          <a:fontRef idx="minor">
+            <a:schemeClr val="tx1"/>
+          </a:fontRef>
+        </p:style>
+      </p:cxnSp>
     </p:spTree>
     <p:extLst>
       <p:ext uri="{BB962C8B-B14F-4D97-AF65-F5344CB8AC3E}">
@@ -4130,7 +4249,6 @@
               <a:rPr lang="en-US" dirty="0"/>
               <a:t>CWH -- Background</a:t>
             </a:r>
-            <a:endParaRPr lang="en-US" dirty="0"/>
           </a:p>
         </p:txBody>
       </p:sp>
@@ -4158,13 +4276,8 @@
           <a:p>
             <a:r>
               <a:rPr lang="en-US" dirty="0" smtClean="0"/>
-              <a:t>How have humans impacted the density of CWH in aquatic systems</a:t>
-            </a:r>
-            <a:r>
-              <a:rPr lang="en-US" dirty="0" smtClean="0"/>
-              <a:t>?</a:t>
-            </a:r>
-            <a:endParaRPr lang="en-US" dirty="0" smtClean="0"/>
+              <a:t>How have humans impacted the density of CWH in aquatic systems?</a:t>
+            </a:r>
           </a:p>
         </p:txBody>
       </p:sp>
@@ -4338,6 +4451,41 @@
           </p:txBody>
         </p:sp>
       </p:grpSp>
+      <p:cxnSp>
+        <p:nvCxnSpPr>
+          <p:cNvPr id="10" name="Straight Connector 9"/>
+          <p:cNvCxnSpPr/>
+          <p:nvPr/>
+        </p:nvCxnSpPr>
+        <p:spPr>
+          <a:xfrm>
+            <a:off x="1049439" y="2331849"/>
+            <a:ext cx="11651" cy="3034910"/>
+          </a:xfrm>
+          <a:prstGeom prst="line">
+            <a:avLst/>
+          </a:prstGeom>
+          <a:ln w="31750">
+            <a:solidFill>
+              <a:srgbClr val="FF0000"/>
+            </a:solidFill>
+          </a:ln>
+        </p:spPr>
+        <p:style>
+          <a:lnRef idx="1">
+            <a:schemeClr val="accent2"/>
+          </a:lnRef>
+          <a:fillRef idx="0">
+            <a:schemeClr val="accent2"/>
+          </a:fillRef>
+          <a:effectRef idx="0">
+            <a:schemeClr val="accent2"/>
+          </a:effectRef>
+          <a:fontRef idx="minor">
+            <a:schemeClr val="tx1"/>
+          </a:fontRef>
+        </p:style>
+      </p:cxnSp>
     </p:spTree>
     <p:extLst>
       <p:ext uri="{BB962C8B-B14F-4D97-AF65-F5344CB8AC3E}">
@@ -4499,7 +4647,6 @@
               <a:rPr lang="en-US" dirty="0" smtClean="0"/>
               <a:t>What was the primary objective of this research?</a:t>
             </a:r>
-            <a:endParaRPr lang="en-US" dirty="0" smtClean="0"/>
           </a:p>
         </p:txBody>
       </p:sp>
@@ -4527,6 +4674,111 @@
           </a:prstGeom>
         </p:spPr>
       </p:pic>
+      <p:cxnSp>
+        <p:nvCxnSpPr>
+          <p:cNvPr id="5" name="Straight Connector 4"/>
+          <p:cNvCxnSpPr/>
+          <p:nvPr/>
+        </p:nvCxnSpPr>
+        <p:spPr>
+          <a:xfrm>
+            <a:off x="691214" y="2270021"/>
+            <a:ext cx="11651" cy="1076397"/>
+          </a:xfrm>
+          <a:prstGeom prst="line">
+            <a:avLst/>
+          </a:prstGeom>
+          <a:ln w="31750">
+            <a:solidFill>
+              <a:srgbClr val="FF0000"/>
+            </a:solidFill>
+          </a:ln>
+        </p:spPr>
+        <p:style>
+          <a:lnRef idx="1">
+            <a:schemeClr val="accent2"/>
+          </a:lnRef>
+          <a:fillRef idx="0">
+            <a:schemeClr val="accent2"/>
+          </a:fillRef>
+          <a:effectRef idx="0">
+            <a:schemeClr val="accent2"/>
+          </a:effectRef>
+          <a:fontRef idx="minor">
+            <a:schemeClr val="tx1"/>
+          </a:fontRef>
+        </p:style>
+      </p:cxnSp>
+      <p:cxnSp>
+        <p:nvCxnSpPr>
+          <p:cNvPr id="7" name="Straight Connector 6"/>
+          <p:cNvCxnSpPr/>
+          <p:nvPr/>
+        </p:nvCxnSpPr>
+        <p:spPr>
+          <a:xfrm>
+            <a:off x="553055" y="3029175"/>
+            <a:ext cx="26837" cy="1389001"/>
+          </a:xfrm>
+          <a:prstGeom prst="line">
+            <a:avLst/>
+          </a:prstGeom>
+          <a:ln w="31750">
+            <a:solidFill>
+              <a:srgbClr val="FF0000"/>
+            </a:solidFill>
+          </a:ln>
+        </p:spPr>
+        <p:style>
+          <a:lnRef idx="1">
+            <a:schemeClr val="accent2"/>
+          </a:lnRef>
+          <a:fillRef idx="0">
+            <a:schemeClr val="accent2"/>
+          </a:fillRef>
+          <a:effectRef idx="0">
+            <a:schemeClr val="accent2"/>
+          </a:effectRef>
+          <a:fontRef idx="minor">
+            <a:schemeClr val="tx1"/>
+          </a:fontRef>
+        </p:style>
+      </p:cxnSp>
+      <p:cxnSp>
+        <p:nvCxnSpPr>
+          <p:cNvPr id="9" name="Straight Connector 8"/>
+          <p:cNvCxnSpPr/>
+          <p:nvPr/>
+        </p:nvCxnSpPr>
+        <p:spPr>
+          <a:xfrm>
+            <a:off x="696909" y="4155798"/>
+            <a:ext cx="26837" cy="1389001"/>
+          </a:xfrm>
+          <a:prstGeom prst="line">
+            <a:avLst/>
+          </a:prstGeom>
+          <a:ln w="31750">
+            <a:solidFill>
+              <a:srgbClr val="FF0000"/>
+            </a:solidFill>
+          </a:ln>
+        </p:spPr>
+        <p:style>
+          <a:lnRef idx="1">
+            <a:schemeClr val="accent2"/>
+          </a:lnRef>
+          <a:fillRef idx="0">
+            <a:schemeClr val="accent2"/>
+          </a:fillRef>
+          <a:effectRef idx="0">
+            <a:schemeClr val="accent2"/>
+          </a:effectRef>
+          <a:fontRef idx="minor">
+            <a:schemeClr val="tx1"/>
+          </a:fontRef>
+        </p:style>
+      </p:cxnSp>
     </p:spTree>
     <p:extLst>
       <p:ext uri="{BB962C8B-B14F-4D97-AF65-F5344CB8AC3E}">
@@ -4742,7 +4994,6 @@
               <a:rPr lang="en-US" dirty="0" smtClean="0"/>
               <a:t>Cabin density, riparian tree density, riparian tree basal area</a:t>
             </a:r>
-            <a:endParaRPr lang="en-US" dirty="0" smtClean="0"/>
           </a:p>
         </p:txBody>
       </p:sp>

--- a/modules/MgmntCWH/READING_Christensenetal_1996.pptx
+++ b/modules/MgmntCWH/READING_Christensenetal_1996.pptx
@@ -217,7 +217,7 @@
           <a:p>
             <a:fld id="{EF599A65-391F-4EB8-9242-B59EE92B5FB9}" type="datetimeFigureOut">
               <a:rPr lang="en-US" smtClean="0"/>
-              <a:t>4/6/2016</a:t>
+              <a:t>4/5/2017</a:t>
             </a:fld>
             <a:endParaRPr lang="en-US"/>
           </a:p>
@@ -616,7 +616,7 @@
           <a:p>
             <a:fld id="{07A46C8F-DB9C-4B91-A1F1-A860256637FA}" type="datetimeFigureOut">
               <a:rPr lang="en-US" smtClean="0"/>
-              <a:t>4/6/2016</a:t>
+              <a:t>4/5/2017</a:t>
             </a:fld>
             <a:endParaRPr lang="en-US"/>
           </a:p>
@@ -786,7 +786,7 @@
           <a:p>
             <a:fld id="{07A46C8F-DB9C-4B91-A1F1-A860256637FA}" type="datetimeFigureOut">
               <a:rPr lang="en-US" smtClean="0"/>
-              <a:t>4/6/2016</a:t>
+              <a:t>4/5/2017</a:t>
             </a:fld>
             <a:endParaRPr lang="en-US"/>
           </a:p>
@@ -966,7 +966,7 @@
           <a:p>
             <a:fld id="{07A46C8F-DB9C-4B91-A1F1-A860256637FA}" type="datetimeFigureOut">
               <a:rPr lang="en-US" smtClean="0"/>
-              <a:t>4/6/2016</a:t>
+              <a:t>4/5/2017</a:t>
             </a:fld>
             <a:endParaRPr lang="en-US"/>
           </a:p>
@@ -1136,7 +1136,7 @@
           <a:p>
             <a:fld id="{07A46C8F-DB9C-4B91-A1F1-A860256637FA}" type="datetimeFigureOut">
               <a:rPr lang="en-US" smtClean="0"/>
-              <a:t>4/6/2016</a:t>
+              <a:t>4/5/2017</a:t>
             </a:fld>
             <a:endParaRPr lang="en-US"/>
           </a:p>
@@ -1380,7 +1380,7 @@
           <a:p>
             <a:fld id="{07A46C8F-DB9C-4B91-A1F1-A860256637FA}" type="datetimeFigureOut">
               <a:rPr lang="en-US" smtClean="0"/>
-              <a:t>4/6/2016</a:t>
+              <a:t>4/5/2017</a:t>
             </a:fld>
             <a:endParaRPr lang="en-US"/>
           </a:p>
@@ -1612,7 +1612,7 @@
           <a:p>
             <a:fld id="{07A46C8F-DB9C-4B91-A1F1-A860256637FA}" type="datetimeFigureOut">
               <a:rPr lang="en-US" smtClean="0"/>
-              <a:t>4/6/2016</a:t>
+              <a:t>4/5/2017</a:t>
             </a:fld>
             <a:endParaRPr lang="en-US"/>
           </a:p>
@@ -1979,7 +1979,7 @@
           <a:p>
             <a:fld id="{07A46C8F-DB9C-4B91-A1F1-A860256637FA}" type="datetimeFigureOut">
               <a:rPr lang="en-US" smtClean="0"/>
-              <a:t>4/6/2016</a:t>
+              <a:t>4/5/2017</a:t>
             </a:fld>
             <a:endParaRPr lang="en-US"/>
           </a:p>
@@ -2097,7 +2097,7 @@
           <a:p>
             <a:fld id="{07A46C8F-DB9C-4B91-A1F1-A860256637FA}" type="datetimeFigureOut">
               <a:rPr lang="en-US" smtClean="0"/>
-              <a:t>4/6/2016</a:t>
+              <a:t>4/5/2017</a:t>
             </a:fld>
             <a:endParaRPr lang="en-US"/>
           </a:p>
@@ -2192,7 +2192,7 @@
           <a:p>
             <a:fld id="{07A46C8F-DB9C-4B91-A1F1-A860256637FA}" type="datetimeFigureOut">
               <a:rPr lang="en-US" smtClean="0"/>
-              <a:t>4/6/2016</a:t>
+              <a:t>4/5/2017</a:t>
             </a:fld>
             <a:endParaRPr lang="en-US"/>
           </a:p>
@@ -2469,7 +2469,7 @@
           <a:p>
             <a:fld id="{07A46C8F-DB9C-4B91-A1F1-A860256637FA}" type="datetimeFigureOut">
               <a:rPr lang="en-US" smtClean="0"/>
-              <a:t>4/6/2016</a:t>
+              <a:t>4/5/2017</a:t>
             </a:fld>
             <a:endParaRPr lang="en-US"/>
           </a:p>
@@ -2726,7 +2726,7 @@
           <a:p>
             <a:fld id="{07A46C8F-DB9C-4B91-A1F1-A860256637FA}" type="datetimeFigureOut">
               <a:rPr lang="en-US" smtClean="0"/>
-              <a:t>4/6/2016</a:t>
+              <a:t>4/5/2017</a:t>
             </a:fld>
             <a:endParaRPr lang="en-US"/>
           </a:p>
@@ -2939,7 +2939,7 @@
           <a:p>
             <a:fld id="{07A46C8F-DB9C-4B91-A1F1-A860256637FA}" type="datetimeFigureOut">
               <a:rPr lang="en-US" smtClean="0"/>
-              <a:t>4/6/2016</a:t>
+              <a:t>4/5/2017</a:t>
             </a:fld>
             <a:endParaRPr lang="en-US"/>
           </a:p>
@@ -4175,6 +4175,114 @@
                                   </p:childTnLst>
                                 </p:cTn>
                               </p:par>
+                              <p:par>
+                                <p:cTn id="9" presetID="1" presetClass="entr" presetSubtype="0" fill="hold" nodeType="withEffect">
+                                  <p:stCondLst>
+                                    <p:cond delay="0"/>
+                                  </p:stCondLst>
+                                  <p:childTnLst>
+                                    <p:set>
+                                      <p:cBhvr>
+                                        <p:cTn id="10" dur="1" fill="hold">
+                                          <p:stCondLst>
+                                            <p:cond delay="0"/>
+                                          </p:stCondLst>
+                                        </p:cTn>
+                                        <p:tgtEl>
+                                          <p:spTgt spid="8"/>
+                                        </p:tgtEl>
+                                        <p:attrNameLst>
+                                          <p:attrName>style.visibility</p:attrName>
+                                        </p:attrNameLst>
+                                      </p:cBhvr>
+                                      <p:to>
+                                        <p:strVal val="visible"/>
+                                      </p:to>
+                                    </p:set>
+                                  </p:childTnLst>
+                                </p:cTn>
+                              </p:par>
+                              <p:par>
+                                <p:cTn id="11" presetID="1" presetClass="entr" presetSubtype="0" fill="hold" nodeType="withEffect">
+                                  <p:stCondLst>
+                                    <p:cond delay="0"/>
+                                  </p:stCondLst>
+                                  <p:childTnLst>
+                                    <p:set>
+                                      <p:cBhvr>
+                                        <p:cTn id="12" dur="1" fill="hold">
+                                          <p:stCondLst>
+                                            <p:cond delay="0"/>
+                                          </p:stCondLst>
+                                        </p:cTn>
+                                        <p:tgtEl>
+                                          <p:spTgt spid="16"/>
+                                        </p:tgtEl>
+                                        <p:attrNameLst>
+                                          <p:attrName>style.visibility</p:attrName>
+                                        </p:attrNameLst>
+                                      </p:cBhvr>
+                                      <p:to>
+                                        <p:strVal val="visible"/>
+                                      </p:to>
+                                    </p:set>
+                                  </p:childTnLst>
+                                </p:cTn>
+                              </p:par>
+                              <p:par>
+                                <p:cTn id="13" presetID="1" presetClass="entr" presetSubtype="0" fill="hold" nodeType="withEffect">
+                                  <p:stCondLst>
+                                    <p:cond delay="0"/>
+                                  </p:stCondLst>
+                                  <p:childTnLst>
+                                    <p:set>
+                                      <p:cBhvr>
+                                        <p:cTn id="14" dur="1" fill="hold">
+                                          <p:stCondLst>
+                                            <p:cond delay="0"/>
+                                          </p:stCondLst>
+                                        </p:cTn>
+                                        <p:tgtEl>
+                                          <p:spTgt spid="17"/>
+                                        </p:tgtEl>
+                                        <p:attrNameLst>
+                                          <p:attrName>style.visibility</p:attrName>
+                                        </p:attrNameLst>
+                                      </p:cBhvr>
+                                      <p:to>
+                                        <p:strVal val="visible"/>
+                                      </p:to>
+                                    </p:set>
+                                  </p:childTnLst>
+                                </p:cTn>
+                              </p:par>
+                              <p:par>
+                                <p:cTn id="15" presetID="1" presetClass="entr" presetSubtype="0" fill="hold" nodeType="withEffect">
+                                  <p:stCondLst>
+                                    <p:cond delay="0"/>
+                                  </p:stCondLst>
+                                  <p:childTnLst>
+                                    <p:set>
+                                      <p:cBhvr>
+                                        <p:cTn id="16" dur="1" fill="hold">
+                                          <p:stCondLst>
+                                            <p:cond delay="0"/>
+                                          </p:stCondLst>
+                                        </p:cTn>
+                                        <p:tgtEl>
+                                          <p:spTgt spid="19"/>
+                                        </p:tgtEl>
+                                        <p:attrNameLst>
+                                          <p:attrName>style.visibility</p:attrName>
+                                        </p:attrNameLst>
+                                      </p:cBhvr>
+                                      <p:to>
+                                        <p:strVal val="visible"/>
+                                      </p:to>
+                                    </p:set>
+                                  </p:childTnLst>
+                                </p:cTn>
+                              </p:par>
                             </p:childTnLst>
                           </p:cTn>
                         </p:par>
@@ -4543,6 +4651,33 @@
                                   </p:childTnLst>
                                 </p:cTn>
                               </p:par>
+                              <p:par>
+                                <p:cTn id="7" presetID="1" presetClass="entr" presetSubtype="0" fill="hold" nodeType="withEffect">
+                                  <p:stCondLst>
+                                    <p:cond delay="0"/>
+                                  </p:stCondLst>
+                                  <p:childTnLst>
+                                    <p:set>
+                                      <p:cBhvr>
+                                        <p:cTn id="8" dur="1" fill="hold">
+                                          <p:stCondLst>
+                                            <p:cond delay="0"/>
+                                          </p:stCondLst>
+                                        </p:cTn>
+                                        <p:tgtEl>
+                                          <p:spTgt spid="10"/>
+                                        </p:tgtEl>
+                                        <p:attrNameLst>
+                                          <p:attrName>style.visibility</p:attrName>
+                                        </p:attrNameLst>
+                                      </p:cBhvr>
+                                      <p:to>
+                                        <p:strVal val="visible"/>
+                                      </p:to>
+                                    </p:set>
+                                  </p:childTnLst>
+                                </p:cTn>
+                              </p:par>
                             </p:childTnLst>
                           </p:cTn>
                         </p:par>
@@ -4824,6 +4959,114 @@
                                         </p:cTn>
                                         <p:tgtEl>
                                           <p:spTgt spid="4"/>
+                                        </p:tgtEl>
+                                        <p:attrNameLst>
+                                          <p:attrName>style.visibility</p:attrName>
+                                        </p:attrNameLst>
+                                      </p:cBhvr>
+                                      <p:to>
+                                        <p:strVal val="visible"/>
+                                      </p:to>
+                                    </p:set>
+                                  </p:childTnLst>
+                                </p:cTn>
+                              </p:par>
+                            </p:childTnLst>
+                          </p:cTn>
+                        </p:par>
+                        <p:par>
+                          <p:cTn id="7" fill="hold">
+                            <p:stCondLst>
+                              <p:cond delay="0"/>
+                            </p:stCondLst>
+                            <p:childTnLst>
+                              <p:par>
+                                <p:cTn id="8" presetID="1" presetClass="entr" presetSubtype="0" fill="hold" nodeType="afterEffect">
+                                  <p:stCondLst>
+                                    <p:cond delay="0"/>
+                                  </p:stCondLst>
+                                  <p:childTnLst>
+                                    <p:set>
+                                      <p:cBhvr>
+                                        <p:cTn id="9" dur="1" fill="hold">
+                                          <p:stCondLst>
+                                            <p:cond delay="0"/>
+                                          </p:stCondLst>
+                                        </p:cTn>
+                                        <p:tgtEl>
+                                          <p:spTgt spid="5"/>
+                                        </p:tgtEl>
+                                        <p:attrNameLst>
+                                          <p:attrName>style.visibility</p:attrName>
+                                        </p:attrNameLst>
+                                      </p:cBhvr>
+                                      <p:to>
+                                        <p:strVal val="visible"/>
+                                      </p:to>
+                                    </p:set>
+                                  </p:childTnLst>
+                                </p:cTn>
+                              </p:par>
+                            </p:childTnLst>
+                          </p:cTn>
+                        </p:par>
+                        <p:par>
+                          <p:cTn id="10" fill="hold">
+                            <p:stCondLst>
+                              <p:cond delay="0"/>
+                            </p:stCondLst>
+                            <p:childTnLst>
+                              <p:par>
+                                <p:cTn id="11" presetID="1" presetClass="entr" presetSubtype="0" fill="hold" nodeType="afterEffect">
+                                  <p:stCondLst>
+                                    <p:cond delay="0"/>
+                                  </p:stCondLst>
+                                  <p:childTnLst>
+                                    <p:set>
+                                      <p:cBhvr>
+                                        <p:cTn id="12" dur="1" fill="hold">
+                                          <p:stCondLst>
+                                            <p:cond delay="0"/>
+                                          </p:stCondLst>
+                                        </p:cTn>
+                                        <p:tgtEl>
+                                          <p:spTgt spid="7"/>
+                                        </p:tgtEl>
+                                        <p:attrNameLst>
+                                          <p:attrName>style.visibility</p:attrName>
+                                        </p:attrNameLst>
+                                      </p:cBhvr>
+                                      <p:to>
+                                        <p:strVal val="visible"/>
+                                      </p:to>
+                                    </p:set>
+                                  </p:childTnLst>
+                                </p:cTn>
+                              </p:par>
+                            </p:childTnLst>
+                          </p:cTn>
+                        </p:par>
+                        <p:par>
+                          <p:cTn id="13" fill="hold">
+                            <p:stCondLst>
+                              <p:cond delay="0"/>
+                            </p:stCondLst>
+                            <p:childTnLst>
+                              <p:par>
+                                <p:cTn id="14" presetID="1" presetClass="entr" presetSubtype="0" fill="hold" nodeType="afterEffect">
+                                  <p:stCondLst>
+                                    <p:cond delay="0"/>
+                                  </p:stCondLst>
+                                  <p:childTnLst>
+                                    <p:set>
+                                      <p:cBhvr>
+                                        <p:cTn id="15" dur="1" fill="hold">
+                                          <p:stCondLst>
+                                            <p:cond delay="0"/>
+                                          </p:stCondLst>
+                                        </p:cTn>
+                                        <p:tgtEl>
+                                          <p:spTgt spid="9"/>
                                         </p:tgtEl>
                                         <p:attrNameLst>
                                           <p:attrName>style.visibility</p:attrName>

--- a/modules/MgmntCWH/READING_Christensenetal_1996.pptx
+++ b/modules/MgmntCWH/READING_Christensenetal_1996.pptx
@@ -217,7 +217,7 @@
           <a:p>
             <a:fld id="{EF599A65-391F-4EB8-9242-B59EE92B5FB9}" type="datetimeFigureOut">
               <a:rPr lang="en-US" smtClean="0"/>
-              <a:t>4/5/2017</a:t>
+              <a:t>4/3/2018</a:t>
             </a:fld>
             <a:endParaRPr lang="en-US"/>
           </a:p>
@@ -616,7 +616,7 @@
           <a:p>
             <a:fld id="{07A46C8F-DB9C-4B91-A1F1-A860256637FA}" type="datetimeFigureOut">
               <a:rPr lang="en-US" smtClean="0"/>
-              <a:t>4/5/2017</a:t>
+              <a:t>4/3/2018</a:t>
             </a:fld>
             <a:endParaRPr lang="en-US"/>
           </a:p>
@@ -786,7 +786,7 @@
           <a:p>
             <a:fld id="{07A46C8F-DB9C-4B91-A1F1-A860256637FA}" type="datetimeFigureOut">
               <a:rPr lang="en-US" smtClean="0"/>
-              <a:t>4/5/2017</a:t>
+              <a:t>4/3/2018</a:t>
             </a:fld>
             <a:endParaRPr lang="en-US"/>
           </a:p>
@@ -966,7 +966,7 @@
           <a:p>
             <a:fld id="{07A46C8F-DB9C-4B91-A1F1-A860256637FA}" type="datetimeFigureOut">
               <a:rPr lang="en-US" smtClean="0"/>
-              <a:t>4/5/2017</a:t>
+              <a:t>4/3/2018</a:t>
             </a:fld>
             <a:endParaRPr lang="en-US"/>
           </a:p>
@@ -1136,7 +1136,7 @@
           <a:p>
             <a:fld id="{07A46C8F-DB9C-4B91-A1F1-A860256637FA}" type="datetimeFigureOut">
               <a:rPr lang="en-US" smtClean="0"/>
-              <a:t>4/5/2017</a:t>
+              <a:t>4/3/2018</a:t>
             </a:fld>
             <a:endParaRPr lang="en-US"/>
           </a:p>
@@ -1380,7 +1380,7 @@
           <a:p>
             <a:fld id="{07A46C8F-DB9C-4B91-A1F1-A860256637FA}" type="datetimeFigureOut">
               <a:rPr lang="en-US" smtClean="0"/>
-              <a:t>4/5/2017</a:t>
+              <a:t>4/3/2018</a:t>
             </a:fld>
             <a:endParaRPr lang="en-US"/>
           </a:p>
@@ -1612,7 +1612,7 @@
           <a:p>
             <a:fld id="{07A46C8F-DB9C-4B91-A1F1-A860256637FA}" type="datetimeFigureOut">
               <a:rPr lang="en-US" smtClean="0"/>
-              <a:t>4/5/2017</a:t>
+              <a:t>4/3/2018</a:t>
             </a:fld>
             <a:endParaRPr lang="en-US"/>
           </a:p>
@@ -1979,7 +1979,7 @@
           <a:p>
             <a:fld id="{07A46C8F-DB9C-4B91-A1F1-A860256637FA}" type="datetimeFigureOut">
               <a:rPr lang="en-US" smtClean="0"/>
-              <a:t>4/5/2017</a:t>
+              <a:t>4/3/2018</a:t>
             </a:fld>
             <a:endParaRPr lang="en-US"/>
           </a:p>
@@ -2097,7 +2097,7 @@
           <a:p>
             <a:fld id="{07A46C8F-DB9C-4B91-A1F1-A860256637FA}" type="datetimeFigureOut">
               <a:rPr lang="en-US" smtClean="0"/>
-              <a:t>4/5/2017</a:t>
+              <a:t>4/3/2018</a:t>
             </a:fld>
             <a:endParaRPr lang="en-US"/>
           </a:p>
@@ -2192,7 +2192,7 @@
           <a:p>
             <a:fld id="{07A46C8F-DB9C-4B91-A1F1-A860256637FA}" type="datetimeFigureOut">
               <a:rPr lang="en-US" smtClean="0"/>
-              <a:t>4/5/2017</a:t>
+              <a:t>4/3/2018</a:t>
             </a:fld>
             <a:endParaRPr lang="en-US"/>
           </a:p>
@@ -2469,7 +2469,7 @@
           <a:p>
             <a:fld id="{07A46C8F-DB9C-4B91-A1F1-A860256637FA}" type="datetimeFigureOut">
               <a:rPr lang="en-US" smtClean="0"/>
-              <a:t>4/5/2017</a:t>
+              <a:t>4/3/2018</a:t>
             </a:fld>
             <a:endParaRPr lang="en-US"/>
           </a:p>
@@ -2726,7 +2726,7 @@
           <a:p>
             <a:fld id="{07A46C8F-DB9C-4B91-A1F1-A860256637FA}" type="datetimeFigureOut">
               <a:rPr lang="en-US" smtClean="0"/>
-              <a:t>4/5/2017</a:t>
+              <a:t>4/3/2018</a:t>
             </a:fld>
             <a:endParaRPr lang="en-US"/>
           </a:p>
@@ -2939,7 +2939,7 @@
           <a:p>
             <a:fld id="{07A46C8F-DB9C-4B91-A1F1-A860256637FA}" type="datetimeFigureOut">
               <a:rPr lang="en-US" smtClean="0"/>
-              <a:t>4/5/2017</a:t>
+              <a:t>4/3/2018</a:t>
             </a:fld>
             <a:endParaRPr lang="en-US"/>
           </a:p>
@@ -5712,6 +5712,165 @@
           </a:prstGeom>
         </p:spPr>
       </p:pic>
+      <p:grpSp>
+        <p:nvGrpSpPr>
+          <p:cNvPr id="4" name="Group 3"/>
+          <p:cNvGrpSpPr/>
+          <p:nvPr/>
+        </p:nvGrpSpPr>
+        <p:grpSpPr>
+          <a:xfrm>
+            <a:off x="1709657" y="819513"/>
+            <a:ext cx="7365944" cy="4545857"/>
+            <a:chOff x="1709657" y="819513"/>
+            <a:chExt cx="7365944" cy="4545857"/>
+          </a:xfrm>
+        </p:grpSpPr>
+        <p:sp>
+          <p:nvSpPr>
+            <p:cNvPr id="3" name="Rectangle 2"/>
+            <p:cNvSpPr/>
+            <p:nvPr/>
+          </p:nvSpPr>
+          <p:spPr>
+            <a:xfrm>
+              <a:off x="4590661" y="819513"/>
+              <a:ext cx="4484940" cy="3930081"/>
+            </a:xfrm>
+            <a:prstGeom prst="rect">
+              <a:avLst/>
+            </a:prstGeom>
+            <a:solidFill>
+              <a:schemeClr val="bg1"/>
+            </a:solidFill>
+            <a:ln>
+              <a:solidFill>
+                <a:schemeClr val="bg1"/>
+              </a:solidFill>
+            </a:ln>
+          </p:spPr>
+          <p:style>
+            <a:lnRef idx="2">
+              <a:schemeClr val="accent1">
+                <a:shade val="50000"/>
+              </a:schemeClr>
+            </a:lnRef>
+            <a:fillRef idx="1">
+              <a:schemeClr val="accent1"/>
+            </a:fillRef>
+            <a:effectRef idx="0">
+              <a:schemeClr val="accent1"/>
+            </a:effectRef>
+            <a:fontRef idx="minor">
+              <a:schemeClr val="lt1"/>
+            </a:fontRef>
+          </p:style>
+          <p:txBody>
+            <a:bodyPr rtlCol="0" anchor="ctr"/>
+            <a:lstStyle/>
+            <a:p>
+              <a:pPr algn="ctr"/>
+              <a:endParaRPr lang="en-US"/>
+            </a:p>
+          </p:txBody>
+        </p:sp>
+        <p:sp>
+          <p:nvSpPr>
+            <p:cNvPr id="10" name="Rectangle 9"/>
+            <p:cNvSpPr/>
+            <p:nvPr/>
+          </p:nvSpPr>
+          <p:spPr>
+            <a:xfrm>
+              <a:off x="6502482" y="4923810"/>
+              <a:ext cx="957930" cy="220780"/>
+            </a:xfrm>
+            <a:prstGeom prst="rect">
+              <a:avLst/>
+            </a:prstGeom>
+            <a:solidFill>
+              <a:schemeClr val="bg1"/>
+            </a:solidFill>
+            <a:ln>
+              <a:solidFill>
+                <a:schemeClr val="bg1"/>
+              </a:solidFill>
+            </a:ln>
+          </p:spPr>
+          <p:style>
+            <a:lnRef idx="2">
+              <a:schemeClr val="accent1">
+                <a:shade val="50000"/>
+              </a:schemeClr>
+            </a:lnRef>
+            <a:fillRef idx="1">
+              <a:schemeClr val="accent1"/>
+            </a:fillRef>
+            <a:effectRef idx="0">
+              <a:schemeClr val="accent1"/>
+            </a:effectRef>
+            <a:fontRef idx="minor">
+              <a:schemeClr val="lt1"/>
+            </a:fontRef>
+          </p:style>
+          <p:txBody>
+            <a:bodyPr rtlCol="0" anchor="ctr"/>
+            <a:lstStyle/>
+            <a:p>
+              <a:pPr algn="ctr"/>
+              <a:endParaRPr lang="en-US"/>
+            </a:p>
+          </p:txBody>
+        </p:sp>
+        <p:sp>
+          <p:nvSpPr>
+            <p:cNvPr id="11" name="Rectangle 10"/>
+            <p:cNvSpPr/>
+            <p:nvPr/>
+          </p:nvSpPr>
+          <p:spPr>
+            <a:xfrm>
+              <a:off x="1709657" y="5144590"/>
+              <a:ext cx="957930" cy="220780"/>
+            </a:xfrm>
+            <a:prstGeom prst="rect">
+              <a:avLst/>
+            </a:prstGeom>
+            <a:solidFill>
+              <a:schemeClr val="bg1"/>
+            </a:solidFill>
+            <a:ln>
+              <a:solidFill>
+                <a:schemeClr val="bg1"/>
+              </a:solidFill>
+            </a:ln>
+          </p:spPr>
+          <p:style>
+            <a:lnRef idx="2">
+              <a:schemeClr val="accent1">
+                <a:shade val="50000"/>
+              </a:schemeClr>
+            </a:lnRef>
+            <a:fillRef idx="1">
+              <a:schemeClr val="accent1"/>
+            </a:fillRef>
+            <a:effectRef idx="0">
+              <a:schemeClr val="accent1"/>
+            </a:effectRef>
+            <a:fontRef idx="minor">
+              <a:schemeClr val="lt1"/>
+            </a:fontRef>
+          </p:style>
+          <p:txBody>
+            <a:bodyPr rtlCol="0" anchor="ctr"/>
+            <a:lstStyle/>
+            <a:p>
+              <a:pPr algn="ctr"/>
+              <a:endParaRPr lang="en-US"/>
+            </a:p>
+          </p:txBody>
+        </p:sp>
+      </p:grpSp>
     </p:spTree>
     <p:extLst>
       <p:ext uri="{BB962C8B-B14F-4D97-AF65-F5344CB8AC3E}">
@@ -5725,7 +5884,75 @@
   <p:timing>
     <p:tnLst>
       <p:par>
-        <p:cTn id="1" dur="indefinite" restart="never" nodeType="tmRoot"/>
+        <p:cTn id="1" dur="indefinite" restart="never" nodeType="tmRoot">
+          <p:childTnLst>
+            <p:seq concurrent="1" nextAc="seek">
+              <p:cTn id="2" dur="indefinite" nodeType="mainSeq">
+                <p:childTnLst>
+                  <p:par>
+                    <p:cTn id="3" fill="hold">
+                      <p:stCondLst>
+                        <p:cond delay="indefinite"/>
+                      </p:stCondLst>
+                      <p:childTnLst>
+                        <p:par>
+                          <p:cTn id="4" fill="hold">
+                            <p:stCondLst>
+                              <p:cond delay="0"/>
+                            </p:stCondLst>
+                            <p:childTnLst>
+                              <p:par>
+                                <p:cTn id="5" presetID="1" presetClass="exit" presetSubtype="0" fill="hold" nodeType="clickEffect">
+                                  <p:stCondLst>
+                                    <p:cond delay="0"/>
+                                  </p:stCondLst>
+                                  <p:childTnLst>
+                                    <p:set>
+                                      <p:cBhvr>
+                                        <p:cTn id="6" dur="1" fill="hold">
+                                          <p:stCondLst>
+                                            <p:cond delay="0"/>
+                                          </p:stCondLst>
+                                        </p:cTn>
+                                        <p:tgtEl>
+                                          <p:spTgt spid="4"/>
+                                        </p:tgtEl>
+                                        <p:attrNameLst>
+                                          <p:attrName>style.visibility</p:attrName>
+                                        </p:attrNameLst>
+                                      </p:cBhvr>
+                                      <p:to>
+                                        <p:strVal val="hidden"/>
+                                      </p:to>
+                                    </p:set>
+                                  </p:childTnLst>
+                                </p:cTn>
+                              </p:par>
+                            </p:childTnLst>
+                          </p:cTn>
+                        </p:par>
+                      </p:childTnLst>
+                    </p:cTn>
+                  </p:par>
+                </p:childTnLst>
+              </p:cTn>
+              <p:prevCondLst>
+                <p:cond evt="onPrev" delay="0">
+                  <p:tgtEl>
+                    <p:sldTgt/>
+                  </p:tgtEl>
+                </p:cond>
+              </p:prevCondLst>
+              <p:nextCondLst>
+                <p:cond evt="onNext" delay="0">
+                  <p:tgtEl>
+                    <p:sldTgt/>
+                  </p:tgtEl>
+                </p:cond>
+              </p:nextCondLst>
+            </p:seq>
+          </p:childTnLst>
+        </p:cTn>
       </p:par>
     </p:tnLst>
   </p:timing>
@@ -5749,48 +5976,18 @@
           <a:chExt cx="0" cy="0"/>
         </a:xfrm>
       </p:grpSpPr>
-      <p:sp>
-        <p:nvSpPr>
-          <p:cNvPr id="2" name="Title 1"/>
-          <p:cNvSpPr>
-            <a:spLocks noGrp="1"/>
-          </p:cNvSpPr>
-          <p:nvPr>
-            <p:ph type="title"/>
-          </p:nvPr>
-        </p:nvSpPr>
-        <p:spPr>
-          <a:xfrm>
-            <a:off x="250167" y="106337"/>
-            <a:ext cx="8781690" cy="713176"/>
-          </a:xfrm>
-        </p:spPr>
-        <p:txBody>
-          <a:bodyPr>
-            <a:normAutofit/>
-          </a:bodyPr>
-          <a:lstStyle/>
-          <a:p>
-            <a:r>
-              <a:rPr lang="en-US" dirty="0" smtClean="0"/>
-              <a:t>Results – Figure 2</a:t>
-            </a:r>
-            <a:endParaRPr lang="en-US" dirty="0"/>
-          </a:p>
-        </p:txBody>
-      </p:sp>
       <p:grpSp>
         <p:nvGrpSpPr>
-          <p:cNvPr id="9" name="Group 8"/>
+          <p:cNvPr id="14" name="Group 13"/>
           <p:cNvGrpSpPr/>
           <p:nvPr/>
         </p:nvGrpSpPr>
         <p:grpSpPr>
           <a:xfrm>
-            <a:off x="216307" y="1463776"/>
-            <a:ext cx="8731321" cy="2592260"/>
-            <a:chOff x="0" y="1463776"/>
-            <a:chExt cx="8731321" cy="2592260"/>
+            <a:off x="5838668" y="1205955"/>
+            <a:ext cx="3108960" cy="2834101"/>
+            <a:chOff x="5838668" y="1205955"/>
+            <a:chExt cx="3108960" cy="2834101"/>
           </a:xfrm>
         </p:grpSpPr>
         <p:pic>
@@ -5809,7 +6006,7 @@
           </p:blipFill>
           <p:spPr>
             <a:xfrm>
-              <a:off x="5622361" y="1482828"/>
+              <a:off x="5838668" y="1482828"/>
               <a:ext cx="3108960" cy="2557228"/>
             </a:xfrm>
             <a:prstGeom prst="rect">
@@ -5817,6 +6014,67 @@
             </a:prstGeom>
           </p:spPr>
         </p:pic>
+        <p:sp>
+          <p:nvSpPr>
+            <p:cNvPr id="12" name="TextBox 11"/>
+            <p:cNvSpPr txBox="1"/>
+            <p:nvPr/>
+          </p:nvSpPr>
+          <p:spPr>
+            <a:xfrm>
+              <a:off x="6505951" y="1205955"/>
+              <a:ext cx="2143985" cy="369332"/>
+            </a:xfrm>
+            <a:prstGeom prst="rect">
+              <a:avLst/>
+            </a:prstGeom>
+            <a:noFill/>
+          </p:spPr>
+          <p:txBody>
+            <a:bodyPr wrap="none" rtlCol="0">
+              <a:spAutoFit/>
+            </a:bodyPr>
+            <a:lstStyle/>
+            <a:p>
+              <a:r>
+                <a:rPr lang="en-US" b="1" dirty="0" err="1" smtClean="0">
+                  <a:solidFill>
+                    <a:srgbClr val="FF0000"/>
+                  </a:solidFill>
+                </a:rPr>
+                <a:t>Devlpd</a:t>
+              </a:r>
+              <a:r>
+                <a:rPr lang="en-US" b="1" dirty="0" smtClean="0">
+                  <a:solidFill>
+                    <a:srgbClr val="FF0000"/>
+                  </a:solidFill>
+                </a:rPr>
+                <a:t> – Cabin Plots</a:t>
+              </a:r>
+              <a:endParaRPr lang="en-US" b="1" dirty="0">
+                <a:solidFill>
+                  <a:srgbClr val="FF0000"/>
+                </a:solidFill>
+              </a:endParaRPr>
+            </a:p>
+          </p:txBody>
+        </p:sp>
+      </p:grpSp>
+      <p:grpSp>
+        <p:nvGrpSpPr>
+          <p:cNvPr id="13" name="Group 12"/>
+          <p:cNvGrpSpPr/>
+          <p:nvPr/>
+        </p:nvGrpSpPr>
+        <p:grpSpPr>
+          <a:xfrm>
+            <a:off x="3313012" y="1206754"/>
+            <a:ext cx="3108960" cy="2852124"/>
+            <a:chOff x="3313012" y="1206754"/>
+            <a:chExt cx="3108960" cy="2852124"/>
+          </a:xfrm>
+        </p:grpSpPr>
         <p:pic>
           <p:nvPicPr>
             <p:cNvPr id="4" name="Picture 3"/>
@@ -5833,7 +6091,7 @@
           </p:blipFill>
           <p:spPr>
             <a:xfrm>
-              <a:off x="3096705" y="1473302"/>
+              <a:off x="3313012" y="1482633"/>
               <a:ext cx="3108960" cy="2576245"/>
             </a:xfrm>
             <a:prstGeom prst="rect">
@@ -5841,55 +6099,131 @@
             </a:prstGeom>
           </p:spPr>
         </p:pic>
-        <p:pic>
-          <p:nvPicPr>
-            <p:cNvPr id="3" name="Picture 2"/>
-            <p:cNvPicPr>
-              <a:picLocks noChangeAspect="1"/>
-            </p:cNvPicPr>
+        <p:sp>
+          <p:nvSpPr>
+            <p:cNvPr id="11" name="TextBox 10"/>
+            <p:cNvSpPr txBox="1"/>
             <p:nvPr/>
-          </p:nvPicPr>
-          <p:blipFill>
-            <a:blip r:embed="rId4"/>
-            <a:stretch>
-              <a:fillRect/>
-            </a:stretch>
-          </p:blipFill>
+          </p:nvSpPr>
           <p:spPr>
             <a:xfrm>
-              <a:off x="560900" y="1463776"/>
-              <a:ext cx="3108960" cy="2592260"/>
+              <a:off x="3829301" y="1206754"/>
+              <a:ext cx="2431371" cy="369332"/>
             </a:xfrm>
             <a:prstGeom prst="rect">
               <a:avLst/>
             </a:prstGeom>
+            <a:noFill/>
           </p:spPr>
-        </p:pic>
-        <p:pic>
-          <p:nvPicPr>
-            <p:cNvPr id="5" name="Picture 4"/>
-            <p:cNvPicPr>
-              <a:picLocks noChangeAspect="1"/>
-            </p:cNvPicPr>
-            <p:nvPr/>
-          </p:nvPicPr>
-          <p:blipFill>
-            <a:blip r:embed="rId5"/>
-            <a:stretch>
-              <a:fillRect/>
-            </a:stretch>
-          </p:blipFill>
-          <p:spPr>
-            <a:xfrm>
-              <a:off x="0" y="1844777"/>
-              <a:ext cx="704850" cy="2057400"/>
-            </a:xfrm>
-            <a:prstGeom prst="rect">
-              <a:avLst/>
-            </a:prstGeom>
-          </p:spPr>
-        </p:pic>
+          <p:txBody>
+            <a:bodyPr wrap="none" rtlCol="0">
+              <a:spAutoFit/>
+            </a:bodyPr>
+            <a:lstStyle/>
+            <a:p>
+              <a:r>
+                <a:rPr lang="en-US" b="1" dirty="0" err="1" smtClean="0">
+                  <a:solidFill>
+                    <a:srgbClr val="FF0000"/>
+                  </a:solidFill>
+                </a:rPr>
+                <a:t>Devlpd</a:t>
+              </a:r>
+              <a:r>
+                <a:rPr lang="en-US" b="1" dirty="0" smtClean="0">
+                  <a:solidFill>
+                    <a:srgbClr val="FF0000"/>
+                  </a:solidFill>
+                </a:rPr>
+                <a:t> – Forested Plots</a:t>
+              </a:r>
+              <a:endParaRPr lang="en-US" b="1" dirty="0">
+                <a:solidFill>
+                  <a:srgbClr val="FF0000"/>
+                </a:solidFill>
+              </a:endParaRPr>
+            </a:p>
+          </p:txBody>
+        </p:sp>
       </p:grpSp>
+      <p:sp>
+        <p:nvSpPr>
+          <p:cNvPr id="2" name="Title 1"/>
+          <p:cNvSpPr>
+            <a:spLocks noGrp="1"/>
+          </p:cNvSpPr>
+          <p:nvPr>
+            <p:ph type="title"/>
+          </p:nvPr>
+        </p:nvSpPr>
+        <p:spPr>
+          <a:xfrm>
+            <a:off x="250167" y="106337"/>
+            <a:ext cx="8781690" cy="713176"/>
+          </a:xfrm>
+        </p:spPr>
+        <p:txBody>
+          <a:bodyPr>
+            <a:normAutofit/>
+          </a:bodyPr>
+          <a:lstStyle/>
+          <a:p>
+            <a:r>
+              <a:rPr lang="en-US" dirty="0" smtClean="0"/>
+              <a:t>Results – Figure 2</a:t>
+            </a:r>
+            <a:endParaRPr lang="en-US" dirty="0"/>
+          </a:p>
+        </p:txBody>
+      </p:sp>
+      <p:pic>
+        <p:nvPicPr>
+          <p:cNvPr id="3" name="Picture 2"/>
+          <p:cNvPicPr>
+            <a:picLocks noChangeAspect="1"/>
+          </p:cNvPicPr>
+          <p:nvPr/>
+        </p:nvPicPr>
+        <p:blipFill>
+          <a:blip r:embed="rId4"/>
+          <a:stretch>
+            <a:fillRect/>
+          </a:stretch>
+        </p:blipFill>
+        <p:spPr>
+          <a:xfrm>
+            <a:off x="777207" y="1445114"/>
+            <a:ext cx="3108960" cy="2592260"/>
+          </a:xfrm>
+          <a:prstGeom prst="rect">
+            <a:avLst/>
+          </a:prstGeom>
+        </p:spPr>
+      </p:pic>
+      <p:pic>
+        <p:nvPicPr>
+          <p:cNvPr id="5" name="Picture 4"/>
+          <p:cNvPicPr>
+            <a:picLocks noChangeAspect="1"/>
+          </p:cNvPicPr>
+          <p:nvPr/>
+        </p:nvPicPr>
+        <p:blipFill>
+          <a:blip r:embed="rId5"/>
+          <a:stretch>
+            <a:fillRect/>
+          </a:stretch>
+        </p:blipFill>
+        <p:spPr>
+          <a:xfrm>
+            <a:off x="216307" y="1844777"/>
+            <a:ext cx="704850" cy="2057400"/>
+          </a:xfrm>
+          <a:prstGeom prst="rect">
+            <a:avLst/>
+          </a:prstGeom>
+        </p:spPr>
+      </p:pic>
       <p:pic>
         <p:nvPicPr>
           <p:cNvPr id="7" name="Picture 6"/>
@@ -5938,6 +6272,44 @@
           </a:prstGeom>
         </p:spPr>
       </p:pic>
+      <p:sp>
+        <p:nvSpPr>
+          <p:cNvPr id="10" name="TextBox 9"/>
+          <p:cNvSpPr txBox="1"/>
+          <p:nvPr/>
+        </p:nvSpPr>
+        <p:spPr>
+          <a:xfrm>
+            <a:off x="1726806" y="1203648"/>
+            <a:ext cx="1460593" cy="369332"/>
+          </a:xfrm>
+          <a:prstGeom prst="rect">
+            <a:avLst/>
+          </a:prstGeom>
+          <a:noFill/>
+        </p:spPr>
+        <p:txBody>
+          <a:bodyPr wrap="none" rtlCol="0">
+            <a:spAutoFit/>
+          </a:bodyPr>
+          <a:lstStyle/>
+          <a:p>
+            <a:r>
+              <a:rPr lang="en-US" b="1" dirty="0" smtClean="0">
+                <a:solidFill>
+                  <a:srgbClr val="FF0000"/>
+                </a:solidFill>
+              </a:rPr>
+              <a:t>Undeveloped</a:t>
+            </a:r>
+            <a:endParaRPr lang="en-US" b="1" dirty="0">
+              <a:solidFill>
+                <a:srgbClr val="FF0000"/>
+              </a:solidFill>
+            </a:endParaRPr>
+          </a:p>
+        </p:txBody>
+      </p:sp>
     </p:spTree>
     <p:extLst>
       <p:ext uri="{BB962C8B-B14F-4D97-AF65-F5344CB8AC3E}">
@@ -5951,7 +6323,120 @@
   <p:timing>
     <p:tnLst>
       <p:par>
-        <p:cTn id="1" dur="indefinite" restart="never" nodeType="tmRoot"/>
+        <p:cTn id="1" dur="indefinite" restart="never" nodeType="tmRoot">
+          <p:childTnLst>
+            <p:seq concurrent="1" nextAc="seek">
+              <p:cTn id="2" dur="indefinite" nodeType="mainSeq">
+                <p:childTnLst>
+                  <p:par>
+                    <p:cTn id="3" fill="hold">
+                      <p:stCondLst>
+                        <p:cond delay="indefinite"/>
+                      </p:stCondLst>
+                      <p:childTnLst>
+                        <p:par>
+                          <p:cTn id="4" fill="hold">
+                            <p:stCondLst>
+                              <p:cond delay="0"/>
+                            </p:stCondLst>
+                            <p:childTnLst>
+                              <p:par>
+                                <p:cTn id="5" presetID="1" presetClass="entr" presetSubtype="0" fill="hold" nodeType="clickEffect">
+                                  <p:stCondLst>
+                                    <p:cond delay="0"/>
+                                  </p:stCondLst>
+                                  <p:childTnLst>
+                                    <p:set>
+                                      <p:cBhvr>
+                                        <p:cTn id="6" dur="1" fill="hold">
+                                          <p:stCondLst>
+                                            <p:cond delay="0"/>
+                                          </p:stCondLst>
+                                        </p:cTn>
+                                        <p:tgtEl>
+                                          <p:spTgt spid="13"/>
+                                        </p:tgtEl>
+                                        <p:attrNameLst>
+                                          <p:attrName>style.visibility</p:attrName>
+                                        </p:attrNameLst>
+                                      </p:cBhvr>
+                                      <p:to>
+                                        <p:strVal val="visible"/>
+                                      </p:to>
+                                    </p:set>
+                                  </p:childTnLst>
+                                </p:cTn>
+                              </p:par>
+                            </p:childTnLst>
+                          </p:cTn>
+                        </p:par>
+                      </p:childTnLst>
+                    </p:cTn>
+                  </p:par>
+                  <p:par>
+                    <p:cTn id="7" fill="hold">
+                      <p:stCondLst>
+                        <p:cond delay="indefinite"/>
+                      </p:stCondLst>
+                      <p:childTnLst>
+                        <p:par>
+                          <p:cTn id="8" fill="hold">
+                            <p:stCondLst>
+                              <p:cond delay="0"/>
+                            </p:stCondLst>
+                            <p:childTnLst>
+                              <p:par>
+                                <p:cTn id="9" presetID="1" presetClass="entr" presetSubtype="0" fill="hold" nodeType="clickEffect">
+                                  <p:stCondLst>
+                                    <p:cond delay="0"/>
+                                  </p:stCondLst>
+                                  <p:childTnLst>
+                                    <p:set>
+                                      <p:cBhvr>
+                                        <p:cTn id="10" dur="1" fill="hold">
+                                          <p:stCondLst>
+                                            <p:cond delay="0"/>
+                                          </p:stCondLst>
+                                        </p:cTn>
+                                        <p:tgtEl>
+                                          <p:spTgt spid="14"/>
+                                        </p:tgtEl>
+                                        <p:attrNameLst>
+                                          <p:attrName>style.visibility</p:attrName>
+                                        </p:attrNameLst>
+                                      </p:cBhvr>
+                                      <p:to>
+                                        <p:strVal val="visible"/>
+                                      </p:to>
+                                    </p:set>
+                                  </p:childTnLst>
+                                </p:cTn>
+                              </p:par>
+                            </p:childTnLst>
+                          </p:cTn>
+                        </p:par>
+                      </p:childTnLst>
+                    </p:cTn>
+                  </p:par>
+                </p:childTnLst>
+              </p:cTn>
+              <p:prevCondLst>
+                <p:cond evt="onPrev" delay="0">
+                  <p:tgtEl>
+                    <p:sldTgt/>
+                  </p:tgtEl>
+                </p:cond>
+              </p:prevCondLst>
+              <p:nextCondLst>
+                <p:cond evt="onNext" delay="0">
+                  <p:tgtEl>
+                    <p:sldTgt/>
+                  </p:tgtEl>
+                </p:cond>
+              </p:nextCondLst>
+            </p:seq>
+          </p:childTnLst>
+        </p:cTn>
       </p:par>
     </p:tnLst>
   </p:timing>
@@ -6246,7 +6731,75 @@
   <p:timing>
     <p:tnLst>
       <p:par>
-        <p:cTn id="1" dur="indefinite" restart="never" nodeType="tmRoot"/>
+        <p:cTn id="1" dur="indefinite" restart="never" nodeType="tmRoot">
+          <p:childTnLst>
+            <p:seq concurrent="1" nextAc="seek">
+              <p:cTn id="2" dur="indefinite" nodeType="mainSeq">
+                <p:childTnLst>
+                  <p:par>
+                    <p:cTn id="3" fill="hold">
+                      <p:stCondLst>
+                        <p:cond delay="indefinite"/>
+                      </p:stCondLst>
+                      <p:childTnLst>
+                        <p:par>
+                          <p:cTn id="4" fill="hold">
+                            <p:stCondLst>
+                              <p:cond delay="0"/>
+                            </p:stCondLst>
+                            <p:childTnLst>
+                              <p:par>
+                                <p:cTn id="5" presetID="1" presetClass="entr" presetSubtype="0" fill="hold" nodeType="clickEffect">
+                                  <p:stCondLst>
+                                    <p:cond delay="0"/>
+                                  </p:stCondLst>
+                                  <p:childTnLst>
+                                    <p:set>
+                                      <p:cBhvr>
+                                        <p:cTn id="6" dur="1" fill="hold">
+                                          <p:stCondLst>
+                                            <p:cond delay="0"/>
+                                          </p:stCondLst>
+                                        </p:cTn>
+                                        <p:tgtEl>
+                                          <p:spTgt spid="13"/>
+                                        </p:tgtEl>
+                                        <p:attrNameLst>
+                                          <p:attrName>style.visibility</p:attrName>
+                                        </p:attrNameLst>
+                                      </p:cBhvr>
+                                      <p:to>
+                                        <p:strVal val="visible"/>
+                                      </p:to>
+                                    </p:set>
+                                  </p:childTnLst>
+                                </p:cTn>
+                              </p:par>
+                            </p:childTnLst>
+                          </p:cTn>
+                        </p:par>
+                      </p:childTnLst>
+                    </p:cTn>
+                  </p:par>
+                </p:childTnLst>
+              </p:cTn>
+              <p:prevCondLst>
+                <p:cond evt="onPrev" delay="0">
+                  <p:tgtEl>
+                    <p:sldTgt/>
+                  </p:tgtEl>
+                </p:cond>
+              </p:prevCondLst>
+              <p:nextCondLst>
+                <p:cond evt="onNext" delay="0">
+                  <p:tgtEl>
+                    <p:sldTgt/>
+                  </p:tgtEl>
+                </p:cond>
+              </p:nextCondLst>
+            </p:seq>
+          </p:childTnLst>
+        </p:cTn>
       </p:par>
     </p:tnLst>
   </p:timing>
@@ -6411,6 +6964,168 @@
           </a:prstGeom>
         </p:spPr>
       </p:pic>
+      <p:sp>
+        <p:nvSpPr>
+          <p:cNvPr id="8" name="Rectangle 7"/>
+          <p:cNvSpPr/>
+          <p:nvPr/>
+        </p:nvSpPr>
+        <p:spPr>
+          <a:xfrm>
+            <a:off x="0" y="2780522"/>
+            <a:ext cx="4549046" cy="2743200"/>
+          </a:xfrm>
+          <a:prstGeom prst="rect">
+            <a:avLst/>
+          </a:prstGeom>
+          <a:solidFill>
+            <a:schemeClr val="bg1"/>
+          </a:solidFill>
+          <a:ln>
+            <a:solidFill>
+              <a:schemeClr val="bg1"/>
+            </a:solidFill>
+          </a:ln>
+        </p:spPr>
+        <p:style>
+          <a:lnRef idx="2">
+            <a:schemeClr val="accent1">
+              <a:shade val="50000"/>
+            </a:schemeClr>
+          </a:lnRef>
+          <a:fillRef idx="1">
+            <a:schemeClr val="accent1"/>
+          </a:fillRef>
+          <a:effectRef idx="0">
+            <a:schemeClr val="accent1"/>
+          </a:effectRef>
+          <a:fontRef idx="minor">
+            <a:schemeClr val="lt1"/>
+          </a:fontRef>
+        </p:style>
+        <p:txBody>
+          <a:bodyPr rtlCol="0" anchor="ctr"/>
+          <a:lstStyle/>
+          <a:p>
+            <a:pPr algn="ctr"/>
+            <a:endParaRPr lang="en-US"/>
+          </a:p>
+        </p:txBody>
+      </p:sp>
+      <p:sp>
+        <p:nvSpPr>
+          <p:cNvPr id="9" name="TextBox 8"/>
+          <p:cNvSpPr txBox="1"/>
+          <p:nvPr/>
+        </p:nvSpPr>
+        <p:spPr>
+          <a:xfrm>
+            <a:off x="1614839" y="561821"/>
+            <a:ext cx="774636" cy="369332"/>
+          </a:xfrm>
+          <a:prstGeom prst="rect">
+            <a:avLst/>
+          </a:prstGeom>
+          <a:noFill/>
+        </p:spPr>
+        <p:txBody>
+          <a:bodyPr wrap="none" rtlCol="0">
+            <a:spAutoFit/>
+          </a:bodyPr>
+          <a:lstStyle/>
+          <a:p>
+            <a:r>
+              <a:rPr lang="en-US" b="1" dirty="0" smtClean="0">
+                <a:solidFill>
+                  <a:srgbClr val="FF0000"/>
+                </a:solidFill>
+              </a:rPr>
+              <a:t>Forest</a:t>
+            </a:r>
+            <a:endParaRPr lang="en-US" b="1" dirty="0">
+              <a:solidFill>
+                <a:srgbClr val="FF0000"/>
+              </a:solidFill>
+            </a:endParaRPr>
+          </a:p>
+        </p:txBody>
+      </p:sp>
+      <p:sp>
+        <p:nvSpPr>
+          <p:cNvPr id="10" name="TextBox 9"/>
+          <p:cNvSpPr txBox="1"/>
+          <p:nvPr/>
+        </p:nvSpPr>
+        <p:spPr>
+          <a:xfrm>
+            <a:off x="2420382" y="798200"/>
+            <a:ext cx="774636" cy="369332"/>
+          </a:xfrm>
+          <a:prstGeom prst="rect">
+            <a:avLst/>
+          </a:prstGeom>
+          <a:noFill/>
+        </p:spPr>
+        <p:txBody>
+          <a:bodyPr wrap="none" rtlCol="0">
+            <a:spAutoFit/>
+          </a:bodyPr>
+          <a:lstStyle/>
+          <a:p>
+            <a:r>
+              <a:rPr lang="en-US" b="1" dirty="0" smtClean="0">
+                <a:solidFill>
+                  <a:srgbClr val="FF0000"/>
+                </a:solidFill>
+              </a:rPr>
+              <a:t>Forest</a:t>
+            </a:r>
+            <a:endParaRPr lang="en-US" b="1" dirty="0">
+              <a:solidFill>
+                <a:srgbClr val="FF0000"/>
+              </a:solidFill>
+            </a:endParaRPr>
+          </a:p>
+        </p:txBody>
+      </p:sp>
+      <p:sp>
+        <p:nvSpPr>
+          <p:cNvPr id="11" name="TextBox 10"/>
+          <p:cNvSpPr txBox="1"/>
+          <p:nvPr/>
+        </p:nvSpPr>
+        <p:spPr>
+          <a:xfrm>
+            <a:off x="3169948" y="1706378"/>
+            <a:ext cx="723275" cy="369332"/>
+          </a:xfrm>
+          <a:prstGeom prst="rect">
+            <a:avLst/>
+          </a:prstGeom>
+          <a:noFill/>
+        </p:spPr>
+        <p:txBody>
+          <a:bodyPr wrap="none" rtlCol="0">
+            <a:spAutoFit/>
+          </a:bodyPr>
+          <a:lstStyle/>
+          <a:p>
+            <a:r>
+              <a:rPr lang="en-US" b="1" dirty="0" smtClean="0">
+                <a:solidFill>
+                  <a:srgbClr val="FF0000"/>
+                </a:solidFill>
+              </a:rPr>
+              <a:t>Cabin</a:t>
+            </a:r>
+            <a:endParaRPr lang="en-US" b="1" dirty="0">
+              <a:solidFill>
+                <a:srgbClr val="FF0000"/>
+              </a:solidFill>
+            </a:endParaRPr>
+          </a:p>
+        </p:txBody>
+      </p:sp>
     </p:spTree>
     <p:extLst>
       <p:ext uri="{BB962C8B-B14F-4D97-AF65-F5344CB8AC3E}">
@@ -6424,9 +7139,125 @@
   <p:timing>
     <p:tnLst>
       <p:par>
-        <p:cTn id="1" dur="indefinite" restart="never" nodeType="tmRoot"/>
+        <p:cTn id="1" dur="indefinite" restart="never" nodeType="tmRoot">
+          <p:childTnLst>
+            <p:seq concurrent="1" nextAc="seek">
+              <p:cTn id="2" dur="indefinite" nodeType="mainSeq">
+                <p:childTnLst>
+                  <p:par>
+                    <p:cTn id="3" fill="hold">
+                      <p:stCondLst>
+                        <p:cond delay="indefinite"/>
+                      </p:stCondLst>
+                      <p:childTnLst>
+                        <p:par>
+                          <p:cTn id="4" fill="hold">
+                            <p:stCondLst>
+                              <p:cond delay="0"/>
+                            </p:stCondLst>
+                            <p:childTnLst>
+                              <p:par>
+                                <p:cTn id="5" presetID="1" presetClass="exit" presetSubtype="0" fill="hold" grpId="0" nodeType="clickEffect">
+                                  <p:stCondLst>
+                                    <p:cond delay="0"/>
+                                  </p:stCondLst>
+                                  <p:childTnLst>
+                                    <p:set>
+                                      <p:cBhvr>
+                                        <p:cTn id="6" dur="1" fill="hold">
+                                          <p:stCondLst>
+                                            <p:cond delay="0"/>
+                                          </p:stCondLst>
+                                        </p:cTn>
+                                        <p:tgtEl>
+                                          <p:spTgt spid="8"/>
+                                        </p:tgtEl>
+                                        <p:attrNameLst>
+                                          <p:attrName>style.visibility</p:attrName>
+                                        </p:attrNameLst>
+                                      </p:cBhvr>
+                                      <p:to>
+                                        <p:strVal val="hidden"/>
+                                      </p:to>
+                                    </p:set>
+                                  </p:childTnLst>
+                                </p:cTn>
+                              </p:par>
+                            </p:childTnLst>
+                          </p:cTn>
+                        </p:par>
+                      </p:childTnLst>
+                    </p:cTn>
+                  </p:par>
+                  <p:par>
+                    <p:cTn id="7" fill="hold">
+                      <p:stCondLst>
+                        <p:cond delay="indefinite"/>
+                      </p:stCondLst>
+                      <p:childTnLst>
+                        <p:par>
+                          <p:cTn id="8" fill="hold">
+                            <p:stCondLst>
+                              <p:cond delay="0"/>
+                            </p:stCondLst>
+                            <p:childTnLst>
+                              <p:par>
+                                <p:cTn id="9" presetID="1" presetClass="entr" presetSubtype="0" fill="hold" nodeType="clickEffect">
+                                  <p:stCondLst>
+                                    <p:cond delay="0"/>
+                                  </p:stCondLst>
+                                  <p:childTnLst>
+                                    <p:set>
+                                      <p:cBhvr>
+                                        <p:cTn id="10" dur="1" fill="hold">
+                                          <p:stCondLst>
+                                            <p:cond delay="0"/>
+                                          </p:stCondLst>
+                                        </p:cTn>
+                                        <p:tgtEl>
+                                          <p:spTgt spid="4"/>
+                                        </p:tgtEl>
+                                        <p:attrNameLst>
+                                          <p:attrName>style.visibility</p:attrName>
+                                        </p:attrNameLst>
+                                      </p:cBhvr>
+                                      <p:to>
+                                        <p:strVal val="visible"/>
+                                      </p:to>
+                                    </p:set>
+                                  </p:childTnLst>
+                                </p:cTn>
+                              </p:par>
+                            </p:childTnLst>
+                          </p:cTn>
+                        </p:par>
+                      </p:childTnLst>
+                    </p:cTn>
+                  </p:par>
+                </p:childTnLst>
+              </p:cTn>
+              <p:prevCondLst>
+                <p:cond evt="onPrev" delay="0">
+                  <p:tgtEl>
+                    <p:sldTgt/>
+                  </p:tgtEl>
+                </p:cond>
+              </p:prevCondLst>
+              <p:nextCondLst>
+                <p:cond evt="onNext" delay="0">
+                  <p:tgtEl>
+                    <p:sldTgt/>
+                  </p:tgtEl>
+                </p:cond>
+              </p:nextCondLst>
+            </p:seq>
+          </p:childTnLst>
+        </p:cTn>
       </p:par>
     </p:tnLst>
+    <p:bldLst>
+      <p:bldP spid="8" grpId="0" animBg="1"/>
+    </p:bldLst>
   </p:timing>
 </p:sld>
 </file>
